--- a/neph_ectoderm/multi/heatmap.pptx
+++ b/neph_ectoderm/multi/heatmap.pptx
@@ -289,7 +289,7 @@
             <a:fld id="{1D8BD707-D9CF-40AE-B4C6-C98DA3205C09}" type="datetimeFigureOut">
               <a:rPr lang="en-US" smtClean="0"/>
               <a:pPr/>
-              <a:t>5/18/2015</a:t>
+              <a:t>6/11/2015</a:t>
             </a:fld>
             <a:endParaRPr lang="en-US"/>
           </a:p>
@@ -456,7 +456,7 @@
             <a:fld id="{1D8BD707-D9CF-40AE-B4C6-C98DA3205C09}" type="datetimeFigureOut">
               <a:rPr lang="en-US" smtClean="0"/>
               <a:pPr/>
-              <a:t>5/18/2015</a:t>
+              <a:t>6/11/2015</a:t>
             </a:fld>
             <a:endParaRPr lang="en-US"/>
           </a:p>
@@ -633,7 +633,7 @@
             <a:fld id="{1D8BD707-D9CF-40AE-B4C6-C98DA3205C09}" type="datetimeFigureOut">
               <a:rPr lang="en-US" smtClean="0"/>
               <a:pPr/>
-              <a:t>5/18/2015</a:t>
+              <a:t>6/11/2015</a:t>
             </a:fld>
             <a:endParaRPr lang="en-US"/>
           </a:p>
@@ -800,7 +800,7 @@
             <a:fld id="{1D8BD707-D9CF-40AE-B4C6-C98DA3205C09}" type="datetimeFigureOut">
               <a:rPr lang="en-US" smtClean="0"/>
               <a:pPr/>
-              <a:t>5/18/2015</a:t>
+              <a:t>6/11/2015</a:t>
             </a:fld>
             <a:endParaRPr lang="en-US"/>
           </a:p>
@@ -1043,7 +1043,7 @@
             <a:fld id="{1D8BD707-D9CF-40AE-B4C6-C98DA3205C09}" type="datetimeFigureOut">
               <a:rPr lang="en-US" smtClean="0"/>
               <a:pPr/>
-              <a:t>5/18/2015</a:t>
+              <a:t>6/11/2015</a:t>
             </a:fld>
             <a:endParaRPr lang="en-US"/>
           </a:p>
@@ -1328,7 +1328,7 @@
             <a:fld id="{1D8BD707-D9CF-40AE-B4C6-C98DA3205C09}" type="datetimeFigureOut">
               <a:rPr lang="en-US" smtClean="0"/>
               <a:pPr/>
-              <a:t>5/18/2015</a:t>
+              <a:t>6/11/2015</a:t>
             </a:fld>
             <a:endParaRPr lang="en-US"/>
           </a:p>
@@ -1747,7 +1747,7 @@
             <a:fld id="{1D8BD707-D9CF-40AE-B4C6-C98DA3205C09}" type="datetimeFigureOut">
               <a:rPr lang="en-US" smtClean="0"/>
               <a:pPr/>
-              <a:t>5/18/2015</a:t>
+              <a:t>6/11/2015</a:t>
             </a:fld>
             <a:endParaRPr lang="en-US"/>
           </a:p>
@@ -1862,7 +1862,7 @@
             <a:fld id="{1D8BD707-D9CF-40AE-B4C6-C98DA3205C09}" type="datetimeFigureOut">
               <a:rPr lang="en-US" smtClean="0"/>
               <a:pPr/>
-              <a:t>5/18/2015</a:t>
+              <a:t>6/11/2015</a:t>
             </a:fld>
             <a:endParaRPr lang="en-US"/>
           </a:p>
@@ -1954,7 +1954,7 @@
             <a:fld id="{1D8BD707-D9CF-40AE-B4C6-C98DA3205C09}" type="datetimeFigureOut">
               <a:rPr lang="en-US" smtClean="0"/>
               <a:pPr/>
-              <a:t>5/18/2015</a:t>
+              <a:t>6/11/2015</a:t>
             </a:fld>
             <a:endParaRPr lang="en-US"/>
           </a:p>
@@ -2228,7 +2228,7 @@
             <a:fld id="{1D8BD707-D9CF-40AE-B4C6-C98DA3205C09}" type="datetimeFigureOut">
               <a:rPr lang="en-US" smtClean="0"/>
               <a:pPr/>
-              <a:t>5/18/2015</a:t>
+              <a:t>6/11/2015</a:t>
             </a:fld>
             <a:endParaRPr lang="en-US"/>
           </a:p>
@@ -2478,7 +2478,7 @@
             <a:fld id="{1D8BD707-D9CF-40AE-B4C6-C98DA3205C09}" type="datetimeFigureOut">
               <a:rPr lang="en-US" smtClean="0"/>
               <a:pPr/>
-              <a:t>5/18/2015</a:t>
+              <a:t>6/11/2015</a:t>
             </a:fld>
             <a:endParaRPr lang="en-US"/>
           </a:p>
@@ -2688,7 +2688,7 @@
             <a:fld id="{1D8BD707-D9CF-40AE-B4C6-C98DA3205C09}" type="datetimeFigureOut">
               <a:rPr lang="en-US" smtClean="0"/>
               <a:pPr/>
-              <a:t>5/18/2015</a:t>
+              <a:t>6/11/2015</a:t>
             </a:fld>
             <a:endParaRPr lang="en-US"/>
           </a:p>
@@ -3059,529 +3059,6 @@
           <a:chExt cx="0" cy="0"/>
         </a:xfrm>
       </p:grpSpPr>
-      <p:cxnSp>
-        <p:nvCxnSpPr>
-          <p:cNvPr id="5" name="Straight Connector 4"/>
-          <p:cNvCxnSpPr/>
-          <p:nvPr/>
-        </p:nvCxnSpPr>
-        <p:spPr>
-          <a:xfrm>
-            <a:off x="581525" y="6353475"/>
-            <a:ext cx="0" cy="442906"/>
-          </a:xfrm>
-          <a:prstGeom prst="line">
-            <a:avLst/>
-          </a:prstGeom>
-          <a:ln w="22225">
-            <a:solidFill>
-              <a:schemeClr val="tx1"/>
-            </a:solidFill>
-          </a:ln>
-        </p:spPr>
-        <p:style>
-          <a:lnRef idx="1">
-            <a:schemeClr val="accent1"/>
-          </a:lnRef>
-          <a:fillRef idx="0">
-            <a:schemeClr val="accent1"/>
-          </a:fillRef>
-          <a:effectRef idx="0">
-            <a:schemeClr val="accent1"/>
-          </a:effectRef>
-          <a:fontRef idx="minor">
-            <a:schemeClr val="tx1"/>
-          </a:fontRef>
-        </p:style>
-      </p:cxnSp>
-      <p:cxnSp>
-        <p:nvCxnSpPr>
-          <p:cNvPr id="8" name="Straight Connector 7"/>
-          <p:cNvCxnSpPr/>
-          <p:nvPr/>
-        </p:nvCxnSpPr>
-        <p:spPr>
-          <a:xfrm>
-            <a:off x="2951750" y="6353475"/>
-            <a:ext cx="0" cy="442906"/>
-          </a:xfrm>
-          <a:prstGeom prst="line">
-            <a:avLst/>
-          </a:prstGeom>
-          <a:ln w="22225">
-            <a:solidFill>
-              <a:schemeClr val="tx1"/>
-            </a:solidFill>
-          </a:ln>
-        </p:spPr>
-        <p:style>
-          <a:lnRef idx="1">
-            <a:schemeClr val="accent1"/>
-          </a:lnRef>
-          <a:fillRef idx="0">
-            <a:schemeClr val="accent1"/>
-          </a:fillRef>
-          <a:effectRef idx="0">
-            <a:schemeClr val="accent1"/>
-          </a:effectRef>
-          <a:fontRef idx="minor">
-            <a:schemeClr val="tx1"/>
-          </a:fontRef>
-        </p:style>
-      </p:cxnSp>
-      <p:cxnSp>
-        <p:nvCxnSpPr>
-          <p:cNvPr id="9" name="Straight Connector 8"/>
-          <p:cNvCxnSpPr/>
-          <p:nvPr/>
-        </p:nvCxnSpPr>
-        <p:spPr>
-          <a:xfrm>
-            <a:off x="5324375" y="6353475"/>
-            <a:ext cx="0" cy="443256"/>
-          </a:xfrm>
-          <a:prstGeom prst="line">
-            <a:avLst/>
-          </a:prstGeom>
-          <a:ln w="22225">
-            <a:solidFill>
-              <a:schemeClr val="tx1"/>
-            </a:solidFill>
-          </a:ln>
-        </p:spPr>
-        <p:style>
-          <a:lnRef idx="1">
-            <a:schemeClr val="accent1"/>
-          </a:lnRef>
-          <a:fillRef idx="0">
-            <a:schemeClr val="accent1"/>
-          </a:fillRef>
-          <a:effectRef idx="0">
-            <a:schemeClr val="accent1"/>
-          </a:effectRef>
-          <a:fontRef idx="minor">
-            <a:schemeClr val="tx1"/>
-          </a:fontRef>
-        </p:style>
-      </p:cxnSp>
-      <p:cxnSp>
-        <p:nvCxnSpPr>
-          <p:cNvPr id="19" name="Straight Connector 18"/>
-          <p:cNvCxnSpPr/>
-          <p:nvPr/>
-        </p:nvCxnSpPr>
-        <p:spPr>
-          <a:xfrm>
-            <a:off x="7714650" y="6353475"/>
-            <a:ext cx="0" cy="447668"/>
-          </a:xfrm>
-          <a:prstGeom prst="line">
-            <a:avLst/>
-          </a:prstGeom>
-          <a:ln w="22225">
-            <a:solidFill>
-              <a:schemeClr val="tx1"/>
-            </a:solidFill>
-          </a:ln>
-        </p:spPr>
-        <p:style>
-          <a:lnRef idx="1">
-            <a:schemeClr val="accent1"/>
-          </a:lnRef>
-          <a:fillRef idx="0">
-            <a:schemeClr val="accent1"/>
-          </a:fillRef>
-          <a:effectRef idx="0">
-            <a:schemeClr val="accent1"/>
-          </a:effectRef>
-          <a:fontRef idx="minor">
-            <a:schemeClr val="tx1"/>
-          </a:fontRef>
-        </p:style>
-      </p:cxnSp>
-      <p:sp>
-        <p:nvSpPr>
-          <p:cNvPr id="24" name="TextBox 23"/>
-          <p:cNvSpPr txBox="1"/>
-          <p:nvPr/>
-        </p:nvSpPr>
-        <p:spPr>
-          <a:xfrm>
-            <a:off x="1629075" y="6559948"/>
-            <a:ext cx="296876" cy="369332"/>
-          </a:xfrm>
-          <a:prstGeom prst="rect">
-            <a:avLst/>
-          </a:prstGeom>
-          <a:noFill/>
-        </p:spPr>
-        <p:txBody>
-          <a:bodyPr wrap="none" rtlCol="0">
-            <a:spAutoFit/>
-          </a:bodyPr>
-          <a:lstStyle/>
-          <a:p>
-            <a:r>
-              <a:rPr lang="en-US" b="1" dirty="0" smtClean="0"/>
-              <a:t>E</a:t>
-            </a:r>
-            <a:endParaRPr lang="en-US" b="1" dirty="0"/>
-          </a:p>
-        </p:txBody>
-      </p:sp>
-      <p:sp>
-        <p:nvSpPr>
-          <p:cNvPr id="28" name="TextBox 27"/>
-          <p:cNvSpPr txBox="1"/>
-          <p:nvPr/>
-        </p:nvSpPr>
-        <p:spPr>
-          <a:xfrm>
-            <a:off x="3981650" y="6566496"/>
-            <a:ext cx="306494" cy="369332"/>
-          </a:xfrm>
-          <a:prstGeom prst="rect">
-            <a:avLst/>
-          </a:prstGeom>
-          <a:noFill/>
-        </p:spPr>
-        <p:txBody>
-          <a:bodyPr wrap="none" rtlCol="0">
-            <a:spAutoFit/>
-          </a:bodyPr>
-          <a:lstStyle/>
-          <a:p>
-            <a:r>
-              <a:rPr lang="en-US" b="1" dirty="0" smtClean="0"/>
-              <a:t>C</a:t>
-            </a:r>
-            <a:endParaRPr lang="en-US" b="1" dirty="0"/>
-          </a:p>
-        </p:txBody>
-      </p:sp>
-      <p:sp>
-        <p:nvSpPr>
-          <p:cNvPr id="29" name="TextBox 28"/>
-          <p:cNvSpPr txBox="1"/>
-          <p:nvPr/>
-        </p:nvSpPr>
-        <p:spPr>
-          <a:xfrm>
-            <a:off x="6346192" y="6569473"/>
-            <a:ext cx="340158" cy="369332"/>
-          </a:xfrm>
-          <a:prstGeom prst="rect">
-            <a:avLst/>
-          </a:prstGeom>
-          <a:noFill/>
-        </p:spPr>
-        <p:txBody>
-          <a:bodyPr wrap="none" rtlCol="0">
-            <a:spAutoFit/>
-          </a:bodyPr>
-          <a:lstStyle/>
-          <a:p>
-            <a:r>
-              <a:rPr lang="en-US" b="1" dirty="0" smtClean="0"/>
-              <a:t>O</a:t>
-            </a:r>
-            <a:endParaRPr lang="en-US" b="1" dirty="0"/>
-          </a:p>
-        </p:txBody>
-      </p:sp>
-      <p:cxnSp>
-        <p:nvCxnSpPr>
-          <p:cNvPr id="30" name="Straight Connector 29"/>
-          <p:cNvCxnSpPr/>
-          <p:nvPr/>
-        </p:nvCxnSpPr>
-        <p:spPr>
-          <a:xfrm flipH="1">
-            <a:off x="142475" y="6353575"/>
-            <a:ext cx="438150" cy="0"/>
-          </a:xfrm>
-          <a:prstGeom prst="line">
-            <a:avLst/>
-          </a:prstGeom>
-          <a:ln w="22225">
-            <a:solidFill>
-              <a:schemeClr val="tx1"/>
-            </a:solidFill>
-          </a:ln>
-        </p:spPr>
-        <p:style>
-          <a:lnRef idx="1">
-            <a:schemeClr val="accent1"/>
-          </a:lnRef>
-          <a:fillRef idx="0">
-            <a:schemeClr val="accent1"/>
-          </a:fillRef>
-          <a:effectRef idx="0">
-            <a:schemeClr val="accent1"/>
-          </a:effectRef>
-          <a:fontRef idx="minor">
-            <a:schemeClr val="tx1"/>
-          </a:fontRef>
-        </p:style>
-      </p:cxnSp>
-      <p:cxnSp>
-        <p:nvCxnSpPr>
-          <p:cNvPr id="32" name="Straight Connector 31"/>
-          <p:cNvCxnSpPr/>
-          <p:nvPr/>
-        </p:nvCxnSpPr>
-        <p:spPr>
-          <a:xfrm flipH="1">
-            <a:off x="142475" y="4304604"/>
-            <a:ext cx="438150" cy="596"/>
-          </a:xfrm>
-          <a:prstGeom prst="line">
-            <a:avLst/>
-          </a:prstGeom>
-          <a:ln w="22225">
-            <a:solidFill>
-              <a:schemeClr val="tx1"/>
-            </a:solidFill>
-          </a:ln>
-        </p:spPr>
-        <p:style>
-          <a:lnRef idx="1">
-            <a:schemeClr val="accent1"/>
-          </a:lnRef>
-          <a:fillRef idx="0">
-            <a:schemeClr val="accent1"/>
-          </a:fillRef>
-          <a:effectRef idx="0">
-            <a:schemeClr val="accent1"/>
-          </a:effectRef>
-          <a:fontRef idx="minor">
-            <a:schemeClr val="tx1"/>
-          </a:fontRef>
-        </p:style>
-      </p:cxnSp>
-      <p:cxnSp>
-        <p:nvCxnSpPr>
-          <p:cNvPr id="34" name="Straight Connector 33"/>
-          <p:cNvCxnSpPr/>
-          <p:nvPr/>
-        </p:nvCxnSpPr>
-        <p:spPr>
-          <a:xfrm flipH="1">
-            <a:off x="142477" y="2257125"/>
-            <a:ext cx="438148" cy="0"/>
-          </a:xfrm>
-          <a:prstGeom prst="line">
-            <a:avLst/>
-          </a:prstGeom>
-          <a:ln w="22225">
-            <a:solidFill>
-              <a:schemeClr val="tx1"/>
-            </a:solidFill>
-          </a:ln>
-        </p:spPr>
-        <p:style>
-          <a:lnRef idx="1">
-            <a:schemeClr val="accent1"/>
-          </a:lnRef>
-          <a:fillRef idx="0">
-            <a:schemeClr val="accent1"/>
-          </a:fillRef>
-          <a:effectRef idx="0">
-            <a:schemeClr val="accent1"/>
-          </a:effectRef>
-          <a:fontRef idx="minor">
-            <a:schemeClr val="tx1"/>
-          </a:fontRef>
-        </p:style>
-      </p:cxnSp>
-      <p:cxnSp>
-        <p:nvCxnSpPr>
-          <p:cNvPr id="36" name="Straight Connector 35"/>
-          <p:cNvCxnSpPr/>
-          <p:nvPr/>
-        </p:nvCxnSpPr>
-        <p:spPr>
-          <a:xfrm flipH="1">
-            <a:off x="132850" y="195033"/>
-            <a:ext cx="438150" cy="0"/>
-          </a:xfrm>
-          <a:prstGeom prst="line">
-            <a:avLst/>
-          </a:prstGeom>
-          <a:ln w="22225">
-            <a:solidFill>
-              <a:schemeClr val="tx1"/>
-            </a:solidFill>
-          </a:ln>
-        </p:spPr>
-        <p:style>
-          <a:lnRef idx="1">
-            <a:schemeClr val="accent1"/>
-          </a:lnRef>
-          <a:fillRef idx="0">
-            <a:schemeClr val="accent1"/>
-          </a:fillRef>
-          <a:effectRef idx="0">
-            <a:schemeClr val="accent1"/>
-          </a:effectRef>
-          <a:fontRef idx="minor">
-            <a:schemeClr val="tx1"/>
-          </a:fontRef>
-        </p:style>
-      </p:cxnSp>
-      <p:sp>
-        <p:nvSpPr>
-          <p:cNvPr id="31" name="TextBox 30"/>
-          <p:cNvSpPr txBox="1"/>
-          <p:nvPr/>
-        </p:nvSpPr>
-        <p:spPr>
-          <a:xfrm>
-            <a:off x="199725" y="-56950"/>
-            <a:ext cx="609700" cy="307777"/>
-          </a:xfrm>
-          <a:prstGeom prst="rect">
-            <a:avLst/>
-          </a:prstGeom>
-          <a:noFill/>
-          <a:ln w="22225">
-            <a:noFill/>
-          </a:ln>
-        </p:spPr>
-        <p:txBody>
-          <a:bodyPr wrap="square" rtlCol="0">
-            <a:spAutoFit/>
-          </a:bodyPr>
-          <a:lstStyle/>
-          <a:p>
-            <a:r>
-              <a:rPr lang="en-US" sz="1400" b="1" dirty="0" smtClean="0"/>
-              <a:t>PCT</a:t>
-            </a:r>
-            <a:endParaRPr lang="en-US" sz="1400" b="1" dirty="0"/>
-          </a:p>
-        </p:txBody>
-      </p:sp>
-      <p:sp>
-        <p:nvSpPr>
-          <p:cNvPr id="38" name="TextBox 37"/>
-          <p:cNvSpPr txBox="1"/>
-          <p:nvPr/>
-        </p:nvSpPr>
-        <p:spPr>
-          <a:xfrm>
-            <a:off x="7667325" y="6367790"/>
-            <a:ext cx="609600" cy="276999"/>
-          </a:xfrm>
-          <a:prstGeom prst="rect">
-            <a:avLst/>
-          </a:prstGeom>
-          <a:noFill/>
-        </p:spPr>
-        <p:txBody>
-          <a:bodyPr wrap="square" rtlCol="0">
-            <a:spAutoFit/>
-          </a:bodyPr>
-          <a:lstStyle/>
-          <a:p>
-            <a:r>
-              <a:rPr lang="en-US" sz="1200" b="1" dirty="0" smtClean="0"/>
-              <a:t>RTC</a:t>
-            </a:r>
-            <a:endParaRPr lang="en-US" sz="1200" b="1" dirty="0"/>
-          </a:p>
-        </p:txBody>
-      </p:sp>
-      <p:sp>
-        <p:nvSpPr>
-          <p:cNvPr id="48" name="TextBox 47"/>
-          <p:cNvSpPr txBox="1"/>
-          <p:nvPr/>
-        </p:nvSpPr>
-        <p:spPr>
-          <a:xfrm>
-            <a:off x="-57750" y="5066600"/>
-            <a:ext cx="296876" cy="369332"/>
-          </a:xfrm>
-          <a:prstGeom prst="rect">
-            <a:avLst/>
-          </a:prstGeom>
-          <a:noFill/>
-        </p:spPr>
-        <p:txBody>
-          <a:bodyPr wrap="none" rtlCol="0">
-            <a:spAutoFit/>
-          </a:bodyPr>
-          <a:lstStyle/>
-          <a:p>
-            <a:r>
-              <a:rPr lang="en-US" b="1" dirty="0" smtClean="0"/>
-              <a:t>E</a:t>
-            </a:r>
-            <a:endParaRPr lang="en-US" b="1" dirty="0"/>
-          </a:p>
-        </p:txBody>
-      </p:sp>
-      <p:sp>
-        <p:nvSpPr>
-          <p:cNvPr id="49" name="TextBox 48"/>
-          <p:cNvSpPr txBox="1"/>
-          <p:nvPr/>
-        </p:nvSpPr>
-        <p:spPr>
-          <a:xfrm>
-            <a:off x="-54357" y="3027750"/>
-            <a:ext cx="306494" cy="369332"/>
-          </a:xfrm>
-          <a:prstGeom prst="rect">
-            <a:avLst/>
-          </a:prstGeom>
-          <a:noFill/>
-        </p:spPr>
-        <p:txBody>
-          <a:bodyPr wrap="none" rtlCol="0">
-            <a:spAutoFit/>
-          </a:bodyPr>
-          <a:lstStyle/>
-          <a:p>
-            <a:r>
-              <a:rPr lang="en-US" b="1" dirty="0" smtClean="0"/>
-              <a:t>C</a:t>
-            </a:r>
-            <a:endParaRPr lang="en-US" b="1" dirty="0"/>
-          </a:p>
-        </p:txBody>
-      </p:sp>
-      <p:sp>
-        <p:nvSpPr>
-          <p:cNvPr id="50" name="TextBox 49"/>
-          <p:cNvSpPr txBox="1"/>
-          <p:nvPr/>
-        </p:nvSpPr>
-        <p:spPr>
-          <a:xfrm>
-            <a:off x="-51244" y="980975"/>
-            <a:ext cx="340158" cy="369332"/>
-          </a:xfrm>
-          <a:prstGeom prst="rect">
-            <a:avLst/>
-          </a:prstGeom>
-          <a:noFill/>
-        </p:spPr>
-        <p:txBody>
-          <a:bodyPr wrap="none" rtlCol="0">
-            <a:spAutoFit/>
-          </a:bodyPr>
-          <a:lstStyle/>
-          <a:p>
-            <a:r>
-              <a:rPr lang="en-US" b="1" dirty="0" smtClean="0"/>
-              <a:t>O</a:t>
-            </a:r>
-            <a:endParaRPr lang="en-US" b="1" dirty="0"/>
-          </a:p>
-        </p:txBody>
-      </p:sp>
       <p:pic>
         <p:nvPicPr>
           <p:cNvPr id="2" name="Picture 2" descr="D:\Workspace\ENCODE_2.0\neph_ectoderm\multi\heatmap.png"/>
@@ -3605,8 +3082,8 @@
         </p:blipFill>
         <p:spPr bwMode="auto">
           <a:xfrm>
-            <a:off x="133150" y="-1"/>
-            <a:ext cx="9010850" cy="6757843"/>
+            <a:off x="161925" y="-9526"/>
+            <a:ext cx="8991600" cy="6743407"/>
           </a:xfrm>
           <a:prstGeom prst="rect">
             <a:avLst/>
@@ -3623,6 +3100,529 @@
           </a:extLst>
         </p:spPr>
       </p:pic>
+      <p:cxnSp>
+        <p:nvCxnSpPr>
+          <p:cNvPr id="5" name="Straight Connector 4"/>
+          <p:cNvCxnSpPr/>
+          <p:nvPr/>
+        </p:nvCxnSpPr>
+        <p:spPr>
+          <a:xfrm>
+            <a:off x="610100" y="6343950"/>
+            <a:ext cx="0" cy="442906"/>
+          </a:xfrm>
+          <a:prstGeom prst="line">
+            <a:avLst/>
+          </a:prstGeom>
+          <a:ln w="22225">
+            <a:solidFill>
+              <a:schemeClr val="tx1"/>
+            </a:solidFill>
+          </a:ln>
+        </p:spPr>
+        <p:style>
+          <a:lnRef idx="1">
+            <a:schemeClr val="accent1"/>
+          </a:lnRef>
+          <a:fillRef idx="0">
+            <a:schemeClr val="accent1"/>
+          </a:fillRef>
+          <a:effectRef idx="0">
+            <a:schemeClr val="accent1"/>
+          </a:effectRef>
+          <a:fontRef idx="minor">
+            <a:schemeClr val="tx1"/>
+          </a:fontRef>
+        </p:style>
+      </p:cxnSp>
+      <p:cxnSp>
+        <p:nvCxnSpPr>
+          <p:cNvPr id="8" name="Straight Connector 7"/>
+          <p:cNvCxnSpPr/>
+          <p:nvPr/>
+        </p:nvCxnSpPr>
+        <p:spPr>
+          <a:xfrm>
+            <a:off x="2980325" y="6343950"/>
+            <a:ext cx="0" cy="442906"/>
+          </a:xfrm>
+          <a:prstGeom prst="line">
+            <a:avLst/>
+          </a:prstGeom>
+          <a:ln w="22225">
+            <a:solidFill>
+              <a:schemeClr val="tx1"/>
+            </a:solidFill>
+          </a:ln>
+        </p:spPr>
+        <p:style>
+          <a:lnRef idx="1">
+            <a:schemeClr val="accent1"/>
+          </a:lnRef>
+          <a:fillRef idx="0">
+            <a:schemeClr val="accent1"/>
+          </a:fillRef>
+          <a:effectRef idx="0">
+            <a:schemeClr val="accent1"/>
+          </a:effectRef>
+          <a:fontRef idx="minor">
+            <a:schemeClr val="tx1"/>
+          </a:fontRef>
+        </p:style>
+      </p:cxnSp>
+      <p:cxnSp>
+        <p:nvCxnSpPr>
+          <p:cNvPr id="9" name="Straight Connector 8"/>
+          <p:cNvCxnSpPr/>
+          <p:nvPr/>
+        </p:nvCxnSpPr>
+        <p:spPr>
+          <a:xfrm>
+            <a:off x="5352950" y="6343950"/>
+            <a:ext cx="0" cy="443256"/>
+          </a:xfrm>
+          <a:prstGeom prst="line">
+            <a:avLst/>
+          </a:prstGeom>
+          <a:ln w="22225">
+            <a:solidFill>
+              <a:schemeClr val="tx1"/>
+            </a:solidFill>
+          </a:ln>
+        </p:spPr>
+        <p:style>
+          <a:lnRef idx="1">
+            <a:schemeClr val="accent1"/>
+          </a:lnRef>
+          <a:fillRef idx="0">
+            <a:schemeClr val="accent1"/>
+          </a:fillRef>
+          <a:effectRef idx="0">
+            <a:schemeClr val="accent1"/>
+          </a:effectRef>
+          <a:fontRef idx="minor">
+            <a:schemeClr val="tx1"/>
+          </a:fontRef>
+        </p:style>
+      </p:cxnSp>
+      <p:cxnSp>
+        <p:nvCxnSpPr>
+          <p:cNvPr id="19" name="Straight Connector 18"/>
+          <p:cNvCxnSpPr/>
+          <p:nvPr/>
+        </p:nvCxnSpPr>
+        <p:spPr>
+          <a:xfrm>
+            <a:off x="7724175" y="6343950"/>
+            <a:ext cx="0" cy="447668"/>
+          </a:xfrm>
+          <a:prstGeom prst="line">
+            <a:avLst/>
+          </a:prstGeom>
+          <a:ln w="22225">
+            <a:solidFill>
+              <a:schemeClr val="tx1"/>
+            </a:solidFill>
+          </a:ln>
+        </p:spPr>
+        <p:style>
+          <a:lnRef idx="1">
+            <a:schemeClr val="accent1"/>
+          </a:lnRef>
+          <a:fillRef idx="0">
+            <a:schemeClr val="accent1"/>
+          </a:fillRef>
+          <a:effectRef idx="0">
+            <a:schemeClr val="accent1"/>
+          </a:effectRef>
+          <a:fontRef idx="minor">
+            <a:schemeClr val="tx1"/>
+          </a:fontRef>
+        </p:style>
+      </p:cxnSp>
+      <p:sp>
+        <p:nvSpPr>
+          <p:cNvPr id="24" name="TextBox 23"/>
+          <p:cNvSpPr txBox="1"/>
+          <p:nvPr/>
+        </p:nvSpPr>
+        <p:spPr>
+          <a:xfrm>
+            <a:off x="1609825" y="6559948"/>
+            <a:ext cx="296876" cy="369332"/>
+          </a:xfrm>
+          <a:prstGeom prst="rect">
+            <a:avLst/>
+          </a:prstGeom>
+          <a:noFill/>
+        </p:spPr>
+        <p:txBody>
+          <a:bodyPr wrap="none" rtlCol="0">
+            <a:spAutoFit/>
+          </a:bodyPr>
+          <a:lstStyle/>
+          <a:p>
+            <a:r>
+              <a:rPr lang="en-US" b="1" dirty="0" smtClean="0"/>
+              <a:t>E</a:t>
+            </a:r>
+            <a:endParaRPr lang="en-US" b="1" dirty="0"/>
+          </a:p>
+        </p:txBody>
+      </p:sp>
+      <p:sp>
+        <p:nvSpPr>
+          <p:cNvPr id="28" name="TextBox 27"/>
+          <p:cNvSpPr txBox="1"/>
+          <p:nvPr/>
+        </p:nvSpPr>
+        <p:spPr>
+          <a:xfrm>
+            <a:off x="3981650" y="6566496"/>
+            <a:ext cx="306494" cy="369332"/>
+          </a:xfrm>
+          <a:prstGeom prst="rect">
+            <a:avLst/>
+          </a:prstGeom>
+          <a:noFill/>
+        </p:spPr>
+        <p:txBody>
+          <a:bodyPr wrap="none" rtlCol="0">
+            <a:spAutoFit/>
+          </a:bodyPr>
+          <a:lstStyle/>
+          <a:p>
+            <a:r>
+              <a:rPr lang="en-US" b="1" dirty="0" smtClean="0"/>
+              <a:t>C</a:t>
+            </a:r>
+            <a:endParaRPr lang="en-US" b="1" dirty="0"/>
+          </a:p>
+        </p:txBody>
+      </p:sp>
+      <p:sp>
+        <p:nvSpPr>
+          <p:cNvPr id="29" name="TextBox 28"/>
+          <p:cNvSpPr txBox="1"/>
+          <p:nvPr/>
+        </p:nvSpPr>
+        <p:spPr>
+          <a:xfrm>
+            <a:off x="6346192" y="6569473"/>
+            <a:ext cx="340158" cy="369332"/>
+          </a:xfrm>
+          <a:prstGeom prst="rect">
+            <a:avLst/>
+          </a:prstGeom>
+          <a:noFill/>
+        </p:spPr>
+        <p:txBody>
+          <a:bodyPr wrap="none" rtlCol="0">
+            <a:spAutoFit/>
+          </a:bodyPr>
+          <a:lstStyle/>
+          <a:p>
+            <a:r>
+              <a:rPr lang="en-US" b="1" dirty="0" smtClean="0"/>
+              <a:t>O</a:t>
+            </a:r>
+            <a:endParaRPr lang="en-US" b="1" dirty="0"/>
+          </a:p>
+        </p:txBody>
+      </p:sp>
+      <p:cxnSp>
+        <p:nvCxnSpPr>
+          <p:cNvPr id="30" name="Straight Connector 29"/>
+          <p:cNvCxnSpPr/>
+          <p:nvPr/>
+        </p:nvCxnSpPr>
+        <p:spPr>
+          <a:xfrm flipH="1">
+            <a:off x="161525" y="6334525"/>
+            <a:ext cx="438150" cy="0"/>
+          </a:xfrm>
+          <a:prstGeom prst="line">
+            <a:avLst/>
+          </a:prstGeom>
+          <a:ln w="22225">
+            <a:solidFill>
+              <a:schemeClr val="tx1"/>
+            </a:solidFill>
+          </a:ln>
+        </p:spPr>
+        <p:style>
+          <a:lnRef idx="1">
+            <a:schemeClr val="accent1"/>
+          </a:lnRef>
+          <a:fillRef idx="0">
+            <a:schemeClr val="accent1"/>
+          </a:fillRef>
+          <a:effectRef idx="0">
+            <a:schemeClr val="accent1"/>
+          </a:effectRef>
+          <a:fontRef idx="minor">
+            <a:schemeClr val="tx1"/>
+          </a:fontRef>
+        </p:style>
+      </p:cxnSp>
+      <p:cxnSp>
+        <p:nvCxnSpPr>
+          <p:cNvPr id="32" name="Straight Connector 31"/>
+          <p:cNvCxnSpPr/>
+          <p:nvPr/>
+        </p:nvCxnSpPr>
+        <p:spPr>
+          <a:xfrm flipH="1">
+            <a:off x="171050" y="4419004"/>
+            <a:ext cx="438150" cy="596"/>
+          </a:xfrm>
+          <a:prstGeom prst="line">
+            <a:avLst/>
+          </a:prstGeom>
+          <a:ln w="22225">
+            <a:solidFill>
+              <a:schemeClr val="tx1"/>
+            </a:solidFill>
+          </a:ln>
+        </p:spPr>
+        <p:style>
+          <a:lnRef idx="1">
+            <a:schemeClr val="accent1"/>
+          </a:lnRef>
+          <a:fillRef idx="0">
+            <a:schemeClr val="accent1"/>
+          </a:fillRef>
+          <a:effectRef idx="0">
+            <a:schemeClr val="accent1"/>
+          </a:effectRef>
+          <a:fontRef idx="minor">
+            <a:schemeClr val="tx1"/>
+          </a:fontRef>
+        </p:style>
+      </p:cxnSp>
+      <p:cxnSp>
+        <p:nvCxnSpPr>
+          <p:cNvPr id="34" name="Straight Connector 33"/>
+          <p:cNvCxnSpPr/>
+          <p:nvPr/>
+        </p:nvCxnSpPr>
+        <p:spPr>
+          <a:xfrm flipH="1">
+            <a:off x="171052" y="2505075"/>
+            <a:ext cx="438148" cy="0"/>
+          </a:xfrm>
+          <a:prstGeom prst="line">
+            <a:avLst/>
+          </a:prstGeom>
+          <a:ln w="22225">
+            <a:solidFill>
+              <a:schemeClr val="tx1"/>
+            </a:solidFill>
+          </a:ln>
+        </p:spPr>
+        <p:style>
+          <a:lnRef idx="1">
+            <a:schemeClr val="accent1"/>
+          </a:lnRef>
+          <a:fillRef idx="0">
+            <a:schemeClr val="accent1"/>
+          </a:fillRef>
+          <a:effectRef idx="0">
+            <a:schemeClr val="accent1"/>
+          </a:effectRef>
+          <a:fontRef idx="minor">
+            <a:schemeClr val="tx1"/>
+          </a:fontRef>
+        </p:style>
+      </p:cxnSp>
+      <p:cxnSp>
+        <p:nvCxnSpPr>
+          <p:cNvPr id="36" name="Straight Connector 35"/>
+          <p:cNvCxnSpPr/>
+          <p:nvPr/>
+        </p:nvCxnSpPr>
+        <p:spPr>
+          <a:xfrm flipH="1">
+            <a:off x="169966" y="583365"/>
+            <a:ext cx="438150" cy="0"/>
+          </a:xfrm>
+          <a:prstGeom prst="line">
+            <a:avLst/>
+          </a:prstGeom>
+          <a:ln w="22225">
+            <a:solidFill>
+              <a:schemeClr val="tx1"/>
+            </a:solidFill>
+          </a:ln>
+        </p:spPr>
+        <p:style>
+          <a:lnRef idx="1">
+            <a:schemeClr val="accent1"/>
+          </a:lnRef>
+          <a:fillRef idx="0">
+            <a:schemeClr val="accent1"/>
+          </a:fillRef>
+          <a:effectRef idx="0">
+            <a:schemeClr val="accent1"/>
+          </a:effectRef>
+          <a:fontRef idx="minor">
+            <a:schemeClr val="tx1"/>
+          </a:fontRef>
+        </p:style>
+      </p:cxnSp>
+      <p:sp>
+        <p:nvSpPr>
+          <p:cNvPr id="31" name="TextBox 30"/>
+          <p:cNvSpPr txBox="1"/>
+          <p:nvPr/>
+        </p:nvSpPr>
+        <p:spPr>
+          <a:xfrm>
+            <a:off x="248264" y="304800"/>
+            <a:ext cx="609700" cy="307777"/>
+          </a:xfrm>
+          <a:prstGeom prst="rect">
+            <a:avLst/>
+          </a:prstGeom>
+          <a:noFill/>
+          <a:ln w="22225">
+            <a:noFill/>
+          </a:ln>
+        </p:spPr>
+        <p:txBody>
+          <a:bodyPr wrap="square" rtlCol="0">
+            <a:spAutoFit/>
+          </a:bodyPr>
+          <a:lstStyle/>
+          <a:p>
+            <a:r>
+              <a:rPr lang="en-US" sz="1400" b="1" dirty="0" smtClean="0"/>
+              <a:t>PCT</a:t>
+            </a:r>
+            <a:endParaRPr lang="en-US" sz="1400" b="1" dirty="0"/>
+          </a:p>
+        </p:txBody>
+      </p:sp>
+      <p:sp>
+        <p:nvSpPr>
+          <p:cNvPr id="38" name="TextBox 37"/>
+          <p:cNvSpPr txBox="1"/>
+          <p:nvPr/>
+        </p:nvSpPr>
+        <p:spPr>
+          <a:xfrm>
+            <a:off x="7667325" y="6367790"/>
+            <a:ext cx="609600" cy="276999"/>
+          </a:xfrm>
+          <a:prstGeom prst="rect">
+            <a:avLst/>
+          </a:prstGeom>
+          <a:noFill/>
+        </p:spPr>
+        <p:txBody>
+          <a:bodyPr wrap="square" rtlCol="0">
+            <a:spAutoFit/>
+          </a:bodyPr>
+          <a:lstStyle/>
+          <a:p>
+            <a:r>
+              <a:rPr lang="en-US" sz="1200" b="1" dirty="0" smtClean="0"/>
+              <a:t>RTC</a:t>
+            </a:r>
+            <a:endParaRPr lang="en-US" sz="1200" b="1" dirty="0"/>
+          </a:p>
+        </p:txBody>
+      </p:sp>
+      <p:sp>
+        <p:nvSpPr>
+          <p:cNvPr id="48" name="TextBox 47"/>
+          <p:cNvSpPr txBox="1"/>
+          <p:nvPr/>
+        </p:nvSpPr>
+        <p:spPr>
+          <a:xfrm>
+            <a:off x="-48125" y="5143500"/>
+            <a:ext cx="296876" cy="369332"/>
+          </a:xfrm>
+          <a:prstGeom prst="rect">
+            <a:avLst/>
+          </a:prstGeom>
+          <a:noFill/>
+        </p:spPr>
+        <p:txBody>
+          <a:bodyPr wrap="none" rtlCol="0">
+            <a:spAutoFit/>
+          </a:bodyPr>
+          <a:lstStyle/>
+          <a:p>
+            <a:r>
+              <a:rPr lang="en-US" b="1" dirty="0" smtClean="0"/>
+              <a:t>E</a:t>
+            </a:r>
+            <a:endParaRPr lang="en-US" b="1" dirty="0"/>
+          </a:p>
+        </p:txBody>
+      </p:sp>
+      <p:sp>
+        <p:nvSpPr>
+          <p:cNvPr id="49" name="TextBox 48"/>
+          <p:cNvSpPr txBox="1"/>
+          <p:nvPr/>
+        </p:nvSpPr>
+        <p:spPr>
+          <a:xfrm>
+            <a:off x="-44732" y="3221593"/>
+            <a:ext cx="306494" cy="369332"/>
+          </a:xfrm>
+          <a:prstGeom prst="rect">
+            <a:avLst/>
+          </a:prstGeom>
+          <a:noFill/>
+        </p:spPr>
+        <p:txBody>
+          <a:bodyPr wrap="none" rtlCol="0">
+            <a:spAutoFit/>
+          </a:bodyPr>
+          <a:lstStyle/>
+          <a:p>
+            <a:r>
+              <a:rPr lang="en-US" b="1" dirty="0" smtClean="0"/>
+              <a:t>C</a:t>
+            </a:r>
+            <a:endParaRPr lang="en-US" b="1" dirty="0"/>
+          </a:p>
+        </p:txBody>
+      </p:sp>
+      <p:sp>
+        <p:nvSpPr>
+          <p:cNvPr id="50" name="TextBox 49"/>
+          <p:cNvSpPr txBox="1"/>
+          <p:nvPr/>
+        </p:nvSpPr>
+        <p:spPr>
+          <a:xfrm>
+            <a:off x="-41619" y="1307068"/>
+            <a:ext cx="340158" cy="369332"/>
+          </a:xfrm>
+          <a:prstGeom prst="rect">
+            <a:avLst/>
+          </a:prstGeom>
+          <a:noFill/>
+        </p:spPr>
+        <p:txBody>
+          <a:bodyPr wrap="none" rtlCol="0">
+            <a:spAutoFit/>
+          </a:bodyPr>
+          <a:lstStyle/>
+          <a:p>
+            <a:r>
+              <a:rPr lang="en-US" b="1" dirty="0" smtClean="0"/>
+              <a:t>O</a:t>
+            </a:r>
+            <a:endParaRPr lang="en-US" b="1" dirty="0"/>
+          </a:p>
+        </p:txBody>
+      </p:sp>
       <p:sp>
         <p:nvSpPr>
           <p:cNvPr id="3" name="TextBox 2"/>
